--- a/STL源码学习/学习笔记.pptx
+++ b/STL源码学习/学习笔记.pptx
@@ -1,9 +1,16 @@
 
 <file path=ppt/presentation.xml><?xml version="1.0" encoding="utf-8"?>
-<p:presentation xmlns:a="http://schemas.openxmlformats.org/drawingml/2006/main" xmlns:r="http://schemas.openxmlformats.org/officeDocument/2006/relationships" xmlns:p="http://schemas.openxmlformats.org/presentationml/2006/main" saveSubsetFonts="1">
+<p:presentation xmlns:a="http://schemas.openxmlformats.org/drawingml/2006/main" xmlns:r="http://schemas.openxmlformats.org/officeDocument/2006/relationships" xmlns:p="http://schemas.openxmlformats.org/presentationml/2006/main">
   <p:sldMasterIdLst>
     <p:sldMasterId id="2147483648" r:id="rId1"/>
   </p:sldMasterIdLst>
+  <p:sldIdLst>
+    <p:sldId id="256" r:id="rId3"/>
+    <p:sldId id="257" r:id="rId4"/>
+    <p:sldId id="258" r:id="rId5"/>
+    <p:sldId id="259" r:id="rId6"/>
+    <p:sldId id="260" r:id="rId7"/>
+  </p:sldIdLst>
   <p:sldSz cx="12192000" cy="6858000"/>
   <p:notesSz cx="6858000" cy="9144000"/>
   <p:defaultTextStyle>
@@ -125,7 +132,7 @@
         <p:nvSpPr>
           <p:cNvPr id="2" name="标题 1"/>
           <p:cNvSpPr>
-            <a:spLocks noGrp="1"/>
+            <a:spLocks noGrp="true"/>
           </p:cNvSpPr>
           <p:nvPr>
             <p:ph type="ctrTitle"/>
@@ -157,7 +164,7 @@
         <p:nvSpPr>
           <p:cNvPr id="3" name="副标题 2"/>
           <p:cNvSpPr>
-            <a:spLocks noGrp="1"/>
+            <a:spLocks noGrp="true"/>
           </p:cNvSpPr>
           <p:nvPr>
             <p:ph type="subTitle" idx="1"/>
@@ -222,7 +229,7 @@
         <p:nvSpPr>
           <p:cNvPr id="4" name="日期占位符 3"/>
           <p:cNvSpPr>
-            <a:spLocks noGrp="1"/>
+            <a:spLocks noGrp="true"/>
           </p:cNvSpPr>
           <p:nvPr>
             <p:ph type="dt" sz="half" idx="10"/>
@@ -235,7 +242,6 @@
           <a:p>
             <a:fld id="{D997B5FA-0921-464F-AAE1-844C04324D75}" type="datetimeFigureOut">
               <a:rPr lang="zh-CN" altLang="en-US" smtClean="0"/>
-              <a:t>2015/5/5</a:t>
             </a:fld>
             <a:endParaRPr lang="zh-CN" altLang="en-US"/>
           </a:p>
@@ -245,7 +251,7 @@
         <p:nvSpPr>
           <p:cNvPr id="5" name="页脚占位符 4"/>
           <p:cNvSpPr>
-            <a:spLocks noGrp="1"/>
+            <a:spLocks noGrp="true"/>
           </p:cNvSpPr>
           <p:nvPr>
             <p:ph type="ftr" sz="quarter" idx="11"/>
@@ -264,7 +270,7 @@
         <p:nvSpPr>
           <p:cNvPr id="6" name="灯片编号占位符 5"/>
           <p:cNvSpPr>
-            <a:spLocks noGrp="1"/>
+            <a:spLocks noGrp="true"/>
           </p:cNvSpPr>
           <p:nvPr>
             <p:ph type="sldNum" sz="quarter" idx="12"/>
@@ -277,18 +283,12 @@
           <a:p>
             <a:fld id="{565CE74E-AB26-4998-AD42-012C4C1AD076}" type="slidenum">
               <a:rPr lang="zh-CN" altLang="en-US" smtClean="0"/>
-              <a:t>‹#›</a:t>
             </a:fld>
             <a:endParaRPr lang="zh-CN" altLang="en-US"/>
           </a:p>
         </p:txBody>
       </p:sp>
     </p:spTree>
-    <p:extLst>
-      <p:ext uri="{BB962C8B-B14F-4D97-AF65-F5344CB8AC3E}">
-        <p14:creationId xmlns:p14="http://schemas.microsoft.com/office/powerpoint/2010/main" val="3051827620"/>
-      </p:ext>
-    </p:extLst>
   </p:cSld>
   <p:clrMapOvr>
     <a:masterClrMapping/>
@@ -317,7 +317,7 @@
         <p:nvSpPr>
           <p:cNvPr id="2" name="标题 1"/>
           <p:cNvSpPr>
-            <a:spLocks noGrp="1"/>
+            <a:spLocks noGrp="true"/>
           </p:cNvSpPr>
           <p:nvPr>
             <p:ph type="title"/>
@@ -340,7 +340,7 @@
         <p:nvSpPr>
           <p:cNvPr id="3" name="竖排文字占位符 2"/>
           <p:cNvSpPr>
-            <a:spLocks noGrp="1"/>
+            <a:spLocks noGrp="true"/>
           </p:cNvSpPr>
           <p:nvPr>
             <p:ph type="body" orient="vert" idx="1"/>
@@ -356,6 +356,7 @@
               <a:rPr lang="zh-CN" altLang="en-US" smtClean="0"/>
               <a:t>单击此处编辑母版文本样式</a:t>
             </a:r>
+            <a:endParaRPr lang="zh-CN" altLang="en-US" smtClean="0"/>
           </a:p>
           <a:p>
             <a:pPr lvl="1"/>
@@ -363,6 +364,7 @@
               <a:rPr lang="zh-CN" altLang="en-US" smtClean="0"/>
               <a:t>第二级</a:t>
             </a:r>
+            <a:endParaRPr lang="zh-CN" altLang="en-US" smtClean="0"/>
           </a:p>
           <a:p>
             <a:pPr lvl="2"/>
@@ -370,6 +372,7 @@
               <a:rPr lang="zh-CN" altLang="en-US" smtClean="0"/>
               <a:t>第三级</a:t>
             </a:r>
+            <a:endParaRPr lang="zh-CN" altLang="en-US" smtClean="0"/>
           </a:p>
           <a:p>
             <a:pPr lvl="3"/>
@@ -377,6 +380,7 @@
               <a:rPr lang="zh-CN" altLang="en-US" smtClean="0"/>
               <a:t>第四级</a:t>
             </a:r>
+            <a:endParaRPr lang="zh-CN" altLang="en-US" smtClean="0"/>
           </a:p>
           <a:p>
             <a:pPr lvl="4"/>
@@ -392,7 +396,7 @@
         <p:nvSpPr>
           <p:cNvPr id="4" name="日期占位符 3"/>
           <p:cNvSpPr>
-            <a:spLocks noGrp="1"/>
+            <a:spLocks noGrp="true"/>
           </p:cNvSpPr>
           <p:nvPr>
             <p:ph type="dt" sz="half" idx="10"/>
@@ -405,7 +409,6 @@
           <a:p>
             <a:fld id="{D997B5FA-0921-464F-AAE1-844C04324D75}" type="datetimeFigureOut">
               <a:rPr lang="zh-CN" altLang="en-US" smtClean="0"/>
-              <a:t>2015/5/5</a:t>
             </a:fld>
             <a:endParaRPr lang="zh-CN" altLang="en-US"/>
           </a:p>
@@ -415,7 +418,7 @@
         <p:nvSpPr>
           <p:cNvPr id="5" name="页脚占位符 4"/>
           <p:cNvSpPr>
-            <a:spLocks noGrp="1"/>
+            <a:spLocks noGrp="true"/>
           </p:cNvSpPr>
           <p:nvPr>
             <p:ph type="ftr" sz="quarter" idx="11"/>
@@ -434,7 +437,7 @@
         <p:nvSpPr>
           <p:cNvPr id="6" name="灯片编号占位符 5"/>
           <p:cNvSpPr>
-            <a:spLocks noGrp="1"/>
+            <a:spLocks noGrp="true"/>
           </p:cNvSpPr>
           <p:nvPr>
             <p:ph type="sldNum" sz="quarter" idx="12"/>
@@ -447,18 +450,12 @@
           <a:p>
             <a:fld id="{565CE74E-AB26-4998-AD42-012C4C1AD076}" type="slidenum">
               <a:rPr lang="zh-CN" altLang="en-US" smtClean="0"/>
-              <a:t>‹#›</a:t>
             </a:fld>
             <a:endParaRPr lang="zh-CN" altLang="en-US"/>
           </a:p>
         </p:txBody>
       </p:sp>
     </p:spTree>
-    <p:extLst>
-      <p:ext uri="{BB962C8B-B14F-4D97-AF65-F5344CB8AC3E}">
-        <p14:creationId xmlns:p14="http://schemas.microsoft.com/office/powerpoint/2010/main" val="3188717747"/>
-      </p:ext>
-    </p:extLst>
   </p:cSld>
   <p:clrMapOvr>
     <a:masterClrMapping/>
@@ -487,7 +484,7 @@
         <p:nvSpPr>
           <p:cNvPr id="2" name="竖排标题 1"/>
           <p:cNvSpPr>
-            <a:spLocks noGrp="1"/>
+            <a:spLocks noGrp="true"/>
           </p:cNvSpPr>
           <p:nvPr>
             <p:ph type="title" orient="vert"/>
@@ -515,7 +512,7 @@
         <p:nvSpPr>
           <p:cNvPr id="3" name="竖排文字占位符 2"/>
           <p:cNvSpPr>
-            <a:spLocks noGrp="1"/>
+            <a:spLocks noGrp="true"/>
           </p:cNvSpPr>
           <p:nvPr>
             <p:ph type="body" orient="vert" idx="1"/>
@@ -536,6 +533,7 @@
               <a:rPr lang="zh-CN" altLang="en-US" smtClean="0"/>
               <a:t>单击此处编辑母版文本样式</a:t>
             </a:r>
+            <a:endParaRPr lang="zh-CN" altLang="en-US" smtClean="0"/>
           </a:p>
           <a:p>
             <a:pPr lvl="1"/>
@@ -543,6 +541,7 @@
               <a:rPr lang="zh-CN" altLang="en-US" smtClean="0"/>
               <a:t>第二级</a:t>
             </a:r>
+            <a:endParaRPr lang="zh-CN" altLang="en-US" smtClean="0"/>
           </a:p>
           <a:p>
             <a:pPr lvl="2"/>
@@ -550,6 +549,7 @@
               <a:rPr lang="zh-CN" altLang="en-US" smtClean="0"/>
               <a:t>第三级</a:t>
             </a:r>
+            <a:endParaRPr lang="zh-CN" altLang="en-US" smtClean="0"/>
           </a:p>
           <a:p>
             <a:pPr lvl="3"/>
@@ -557,6 +557,7 @@
               <a:rPr lang="zh-CN" altLang="en-US" smtClean="0"/>
               <a:t>第四级</a:t>
             </a:r>
+            <a:endParaRPr lang="zh-CN" altLang="en-US" smtClean="0"/>
           </a:p>
           <a:p>
             <a:pPr lvl="4"/>
@@ -572,7 +573,7 @@
         <p:nvSpPr>
           <p:cNvPr id="4" name="日期占位符 3"/>
           <p:cNvSpPr>
-            <a:spLocks noGrp="1"/>
+            <a:spLocks noGrp="true"/>
           </p:cNvSpPr>
           <p:nvPr>
             <p:ph type="dt" sz="half" idx="10"/>
@@ -585,7 +586,6 @@
           <a:p>
             <a:fld id="{D997B5FA-0921-464F-AAE1-844C04324D75}" type="datetimeFigureOut">
               <a:rPr lang="zh-CN" altLang="en-US" smtClean="0"/>
-              <a:t>2015/5/5</a:t>
             </a:fld>
             <a:endParaRPr lang="zh-CN" altLang="en-US"/>
           </a:p>
@@ -595,7 +595,7 @@
         <p:nvSpPr>
           <p:cNvPr id="5" name="页脚占位符 4"/>
           <p:cNvSpPr>
-            <a:spLocks noGrp="1"/>
+            <a:spLocks noGrp="true"/>
           </p:cNvSpPr>
           <p:nvPr>
             <p:ph type="ftr" sz="quarter" idx="11"/>
@@ -614,7 +614,7 @@
         <p:nvSpPr>
           <p:cNvPr id="6" name="灯片编号占位符 5"/>
           <p:cNvSpPr>
-            <a:spLocks noGrp="1"/>
+            <a:spLocks noGrp="true"/>
           </p:cNvSpPr>
           <p:nvPr>
             <p:ph type="sldNum" sz="quarter" idx="12"/>
@@ -627,18 +627,12 @@
           <a:p>
             <a:fld id="{565CE74E-AB26-4998-AD42-012C4C1AD076}" type="slidenum">
               <a:rPr lang="zh-CN" altLang="en-US" smtClean="0"/>
-              <a:t>‹#›</a:t>
             </a:fld>
             <a:endParaRPr lang="zh-CN" altLang="en-US"/>
           </a:p>
         </p:txBody>
       </p:sp>
     </p:spTree>
-    <p:extLst>
-      <p:ext uri="{BB962C8B-B14F-4D97-AF65-F5344CB8AC3E}">
-        <p14:creationId xmlns:p14="http://schemas.microsoft.com/office/powerpoint/2010/main" val="4025501431"/>
-      </p:ext>
-    </p:extLst>
   </p:cSld>
   <p:clrMapOvr>
     <a:masterClrMapping/>
@@ -667,7 +661,7 @@
         <p:nvSpPr>
           <p:cNvPr id="2" name="标题 1"/>
           <p:cNvSpPr>
-            <a:spLocks noGrp="1"/>
+            <a:spLocks noGrp="true"/>
           </p:cNvSpPr>
           <p:nvPr>
             <p:ph type="title"/>
@@ -690,7 +684,7 @@
         <p:nvSpPr>
           <p:cNvPr id="3" name="内容占位符 2"/>
           <p:cNvSpPr>
-            <a:spLocks noGrp="1"/>
+            <a:spLocks noGrp="true"/>
           </p:cNvSpPr>
           <p:nvPr>
             <p:ph idx="1"/>
@@ -706,6 +700,7 @@
               <a:rPr lang="zh-CN" altLang="en-US" smtClean="0"/>
               <a:t>单击此处编辑母版文本样式</a:t>
             </a:r>
+            <a:endParaRPr lang="zh-CN" altLang="en-US" smtClean="0"/>
           </a:p>
           <a:p>
             <a:pPr lvl="1"/>
@@ -713,6 +708,7 @@
               <a:rPr lang="zh-CN" altLang="en-US" smtClean="0"/>
               <a:t>第二级</a:t>
             </a:r>
+            <a:endParaRPr lang="zh-CN" altLang="en-US" smtClean="0"/>
           </a:p>
           <a:p>
             <a:pPr lvl="2"/>
@@ -720,6 +716,7 @@
               <a:rPr lang="zh-CN" altLang="en-US" smtClean="0"/>
               <a:t>第三级</a:t>
             </a:r>
+            <a:endParaRPr lang="zh-CN" altLang="en-US" smtClean="0"/>
           </a:p>
           <a:p>
             <a:pPr lvl="3"/>
@@ -727,6 +724,7 @@
               <a:rPr lang="zh-CN" altLang="en-US" smtClean="0"/>
               <a:t>第四级</a:t>
             </a:r>
+            <a:endParaRPr lang="zh-CN" altLang="en-US" smtClean="0"/>
           </a:p>
           <a:p>
             <a:pPr lvl="4"/>
@@ -742,7 +740,7 @@
         <p:nvSpPr>
           <p:cNvPr id="4" name="日期占位符 3"/>
           <p:cNvSpPr>
-            <a:spLocks noGrp="1"/>
+            <a:spLocks noGrp="true"/>
           </p:cNvSpPr>
           <p:nvPr>
             <p:ph type="dt" sz="half" idx="10"/>
@@ -755,7 +753,6 @@
           <a:p>
             <a:fld id="{D997B5FA-0921-464F-AAE1-844C04324D75}" type="datetimeFigureOut">
               <a:rPr lang="zh-CN" altLang="en-US" smtClean="0"/>
-              <a:t>2015/5/5</a:t>
             </a:fld>
             <a:endParaRPr lang="zh-CN" altLang="en-US"/>
           </a:p>
@@ -765,7 +762,7 @@
         <p:nvSpPr>
           <p:cNvPr id="5" name="页脚占位符 4"/>
           <p:cNvSpPr>
-            <a:spLocks noGrp="1"/>
+            <a:spLocks noGrp="true"/>
           </p:cNvSpPr>
           <p:nvPr>
             <p:ph type="ftr" sz="quarter" idx="11"/>
@@ -784,7 +781,7 @@
         <p:nvSpPr>
           <p:cNvPr id="6" name="灯片编号占位符 5"/>
           <p:cNvSpPr>
-            <a:spLocks noGrp="1"/>
+            <a:spLocks noGrp="true"/>
           </p:cNvSpPr>
           <p:nvPr>
             <p:ph type="sldNum" sz="quarter" idx="12"/>
@@ -797,18 +794,12 @@
           <a:p>
             <a:fld id="{565CE74E-AB26-4998-AD42-012C4C1AD076}" type="slidenum">
               <a:rPr lang="zh-CN" altLang="en-US" smtClean="0"/>
-              <a:t>‹#›</a:t>
             </a:fld>
             <a:endParaRPr lang="zh-CN" altLang="en-US"/>
           </a:p>
         </p:txBody>
       </p:sp>
     </p:spTree>
-    <p:extLst>
-      <p:ext uri="{BB962C8B-B14F-4D97-AF65-F5344CB8AC3E}">
-        <p14:creationId xmlns:p14="http://schemas.microsoft.com/office/powerpoint/2010/main" val="598653943"/>
-      </p:ext>
-    </p:extLst>
   </p:cSld>
   <p:clrMapOvr>
     <a:masterClrMapping/>
@@ -837,7 +828,7 @@
         <p:nvSpPr>
           <p:cNvPr id="2" name="标题 1"/>
           <p:cNvSpPr>
-            <a:spLocks noGrp="1"/>
+            <a:spLocks noGrp="true"/>
           </p:cNvSpPr>
           <p:nvPr>
             <p:ph type="title"/>
@@ -869,7 +860,7 @@
         <p:nvSpPr>
           <p:cNvPr id="3" name="文本占位符 2"/>
           <p:cNvSpPr>
-            <a:spLocks noGrp="1"/>
+            <a:spLocks noGrp="true"/>
           </p:cNvSpPr>
           <p:nvPr>
             <p:ph type="body" idx="1"/>
@@ -981,6 +972,7 @@
               <a:rPr lang="zh-CN" altLang="en-US" smtClean="0"/>
               <a:t>单击此处编辑母版文本样式</a:t>
             </a:r>
+            <a:endParaRPr lang="zh-CN" altLang="en-US" smtClean="0"/>
           </a:p>
         </p:txBody>
       </p:sp>
@@ -988,7 +980,7 @@
         <p:nvSpPr>
           <p:cNvPr id="4" name="日期占位符 3"/>
           <p:cNvSpPr>
-            <a:spLocks noGrp="1"/>
+            <a:spLocks noGrp="true"/>
           </p:cNvSpPr>
           <p:nvPr>
             <p:ph type="dt" sz="half" idx="10"/>
@@ -1001,7 +993,6 @@
           <a:p>
             <a:fld id="{D997B5FA-0921-464F-AAE1-844C04324D75}" type="datetimeFigureOut">
               <a:rPr lang="zh-CN" altLang="en-US" smtClean="0"/>
-              <a:t>2015/5/5</a:t>
             </a:fld>
             <a:endParaRPr lang="zh-CN" altLang="en-US"/>
           </a:p>
@@ -1011,7 +1002,7 @@
         <p:nvSpPr>
           <p:cNvPr id="5" name="页脚占位符 4"/>
           <p:cNvSpPr>
-            <a:spLocks noGrp="1"/>
+            <a:spLocks noGrp="true"/>
           </p:cNvSpPr>
           <p:nvPr>
             <p:ph type="ftr" sz="quarter" idx="11"/>
@@ -1030,7 +1021,7 @@
         <p:nvSpPr>
           <p:cNvPr id="6" name="灯片编号占位符 5"/>
           <p:cNvSpPr>
-            <a:spLocks noGrp="1"/>
+            <a:spLocks noGrp="true"/>
           </p:cNvSpPr>
           <p:nvPr>
             <p:ph type="sldNum" sz="quarter" idx="12"/>
@@ -1043,18 +1034,12 @@
           <a:p>
             <a:fld id="{565CE74E-AB26-4998-AD42-012C4C1AD076}" type="slidenum">
               <a:rPr lang="zh-CN" altLang="en-US" smtClean="0"/>
-              <a:t>‹#›</a:t>
             </a:fld>
             <a:endParaRPr lang="zh-CN" altLang="en-US"/>
           </a:p>
         </p:txBody>
       </p:sp>
     </p:spTree>
-    <p:extLst>
-      <p:ext uri="{BB962C8B-B14F-4D97-AF65-F5344CB8AC3E}">
-        <p14:creationId xmlns:p14="http://schemas.microsoft.com/office/powerpoint/2010/main" val="1612184157"/>
-      </p:ext>
-    </p:extLst>
   </p:cSld>
   <p:clrMapOvr>
     <a:masterClrMapping/>
@@ -1083,7 +1068,7 @@
         <p:nvSpPr>
           <p:cNvPr id="2" name="标题 1"/>
           <p:cNvSpPr>
-            <a:spLocks noGrp="1"/>
+            <a:spLocks noGrp="true"/>
           </p:cNvSpPr>
           <p:nvPr>
             <p:ph type="title"/>
@@ -1106,7 +1091,7 @@
         <p:nvSpPr>
           <p:cNvPr id="3" name="内容占位符 2"/>
           <p:cNvSpPr>
-            <a:spLocks noGrp="1"/>
+            <a:spLocks noGrp="true"/>
           </p:cNvSpPr>
           <p:nvPr>
             <p:ph sz="half" idx="1"/>
@@ -1127,6 +1112,7 @@
               <a:rPr lang="zh-CN" altLang="en-US" smtClean="0"/>
               <a:t>单击此处编辑母版文本样式</a:t>
             </a:r>
+            <a:endParaRPr lang="zh-CN" altLang="en-US" smtClean="0"/>
           </a:p>
           <a:p>
             <a:pPr lvl="1"/>
@@ -1134,6 +1120,7 @@
               <a:rPr lang="zh-CN" altLang="en-US" smtClean="0"/>
               <a:t>第二级</a:t>
             </a:r>
+            <a:endParaRPr lang="zh-CN" altLang="en-US" smtClean="0"/>
           </a:p>
           <a:p>
             <a:pPr lvl="2"/>
@@ -1141,6 +1128,7 @@
               <a:rPr lang="zh-CN" altLang="en-US" smtClean="0"/>
               <a:t>第三级</a:t>
             </a:r>
+            <a:endParaRPr lang="zh-CN" altLang="en-US" smtClean="0"/>
           </a:p>
           <a:p>
             <a:pPr lvl="3"/>
@@ -1148,6 +1136,7 @@
               <a:rPr lang="zh-CN" altLang="en-US" smtClean="0"/>
               <a:t>第四级</a:t>
             </a:r>
+            <a:endParaRPr lang="zh-CN" altLang="en-US" smtClean="0"/>
           </a:p>
           <a:p>
             <a:pPr lvl="4"/>
@@ -1163,7 +1152,7 @@
         <p:nvSpPr>
           <p:cNvPr id="4" name="内容占位符 3"/>
           <p:cNvSpPr>
-            <a:spLocks noGrp="1"/>
+            <a:spLocks noGrp="true"/>
           </p:cNvSpPr>
           <p:nvPr>
             <p:ph sz="half" idx="2"/>
@@ -1184,6 +1173,7 @@
               <a:rPr lang="zh-CN" altLang="en-US" smtClean="0"/>
               <a:t>单击此处编辑母版文本样式</a:t>
             </a:r>
+            <a:endParaRPr lang="zh-CN" altLang="en-US" smtClean="0"/>
           </a:p>
           <a:p>
             <a:pPr lvl="1"/>
@@ -1191,6 +1181,7 @@
               <a:rPr lang="zh-CN" altLang="en-US" smtClean="0"/>
               <a:t>第二级</a:t>
             </a:r>
+            <a:endParaRPr lang="zh-CN" altLang="en-US" smtClean="0"/>
           </a:p>
           <a:p>
             <a:pPr lvl="2"/>
@@ -1198,6 +1189,7 @@
               <a:rPr lang="zh-CN" altLang="en-US" smtClean="0"/>
               <a:t>第三级</a:t>
             </a:r>
+            <a:endParaRPr lang="zh-CN" altLang="en-US" smtClean="0"/>
           </a:p>
           <a:p>
             <a:pPr lvl="3"/>
@@ -1205,6 +1197,7 @@
               <a:rPr lang="zh-CN" altLang="en-US" smtClean="0"/>
               <a:t>第四级</a:t>
             </a:r>
+            <a:endParaRPr lang="zh-CN" altLang="en-US" smtClean="0"/>
           </a:p>
           <a:p>
             <a:pPr lvl="4"/>
@@ -1220,7 +1213,7 @@
         <p:nvSpPr>
           <p:cNvPr id="5" name="日期占位符 4"/>
           <p:cNvSpPr>
-            <a:spLocks noGrp="1"/>
+            <a:spLocks noGrp="true"/>
           </p:cNvSpPr>
           <p:nvPr>
             <p:ph type="dt" sz="half" idx="10"/>
@@ -1233,7 +1226,6 @@
           <a:p>
             <a:fld id="{D997B5FA-0921-464F-AAE1-844C04324D75}" type="datetimeFigureOut">
               <a:rPr lang="zh-CN" altLang="en-US" smtClean="0"/>
-              <a:t>2015/5/5</a:t>
             </a:fld>
             <a:endParaRPr lang="zh-CN" altLang="en-US"/>
           </a:p>
@@ -1243,7 +1235,7 @@
         <p:nvSpPr>
           <p:cNvPr id="6" name="页脚占位符 5"/>
           <p:cNvSpPr>
-            <a:spLocks noGrp="1"/>
+            <a:spLocks noGrp="true"/>
           </p:cNvSpPr>
           <p:nvPr>
             <p:ph type="ftr" sz="quarter" idx="11"/>
@@ -1262,7 +1254,7 @@
         <p:nvSpPr>
           <p:cNvPr id="7" name="灯片编号占位符 6"/>
           <p:cNvSpPr>
-            <a:spLocks noGrp="1"/>
+            <a:spLocks noGrp="true"/>
           </p:cNvSpPr>
           <p:nvPr>
             <p:ph type="sldNum" sz="quarter" idx="12"/>
@@ -1275,18 +1267,12 @@
           <a:p>
             <a:fld id="{565CE74E-AB26-4998-AD42-012C4C1AD076}" type="slidenum">
               <a:rPr lang="zh-CN" altLang="en-US" smtClean="0"/>
-              <a:t>‹#›</a:t>
             </a:fld>
             <a:endParaRPr lang="zh-CN" altLang="en-US"/>
           </a:p>
         </p:txBody>
       </p:sp>
     </p:spTree>
-    <p:extLst>
-      <p:ext uri="{BB962C8B-B14F-4D97-AF65-F5344CB8AC3E}">
-        <p14:creationId xmlns:p14="http://schemas.microsoft.com/office/powerpoint/2010/main" val="2905825717"/>
-      </p:ext>
-    </p:extLst>
   </p:cSld>
   <p:clrMapOvr>
     <a:masterClrMapping/>
@@ -1315,7 +1301,7 @@
         <p:nvSpPr>
           <p:cNvPr id="2" name="标题 1"/>
           <p:cNvSpPr>
-            <a:spLocks noGrp="1"/>
+            <a:spLocks noGrp="true"/>
           </p:cNvSpPr>
           <p:nvPr>
             <p:ph type="title"/>
@@ -1343,7 +1329,7 @@
         <p:nvSpPr>
           <p:cNvPr id="3" name="文本占位符 2"/>
           <p:cNvSpPr>
-            <a:spLocks noGrp="1"/>
+            <a:spLocks noGrp="true"/>
           </p:cNvSpPr>
           <p:nvPr>
             <p:ph type="body" idx="1"/>
@@ -1401,6 +1387,7 @@
               <a:rPr lang="zh-CN" altLang="en-US" smtClean="0"/>
               <a:t>单击此处编辑母版文本样式</a:t>
             </a:r>
+            <a:endParaRPr lang="zh-CN" altLang="en-US" smtClean="0"/>
           </a:p>
         </p:txBody>
       </p:sp>
@@ -1408,7 +1395,7 @@
         <p:nvSpPr>
           <p:cNvPr id="4" name="内容占位符 3"/>
           <p:cNvSpPr>
-            <a:spLocks noGrp="1"/>
+            <a:spLocks noGrp="true"/>
           </p:cNvSpPr>
           <p:nvPr>
             <p:ph sz="half" idx="2"/>
@@ -1429,6 +1416,7 @@
               <a:rPr lang="zh-CN" altLang="en-US" smtClean="0"/>
               <a:t>单击此处编辑母版文本样式</a:t>
             </a:r>
+            <a:endParaRPr lang="zh-CN" altLang="en-US" smtClean="0"/>
           </a:p>
           <a:p>
             <a:pPr lvl="1"/>
@@ -1436,6 +1424,7 @@
               <a:rPr lang="zh-CN" altLang="en-US" smtClean="0"/>
               <a:t>第二级</a:t>
             </a:r>
+            <a:endParaRPr lang="zh-CN" altLang="en-US" smtClean="0"/>
           </a:p>
           <a:p>
             <a:pPr lvl="2"/>
@@ -1443,6 +1432,7 @@
               <a:rPr lang="zh-CN" altLang="en-US" smtClean="0"/>
               <a:t>第三级</a:t>
             </a:r>
+            <a:endParaRPr lang="zh-CN" altLang="en-US" smtClean="0"/>
           </a:p>
           <a:p>
             <a:pPr lvl="3"/>
@@ -1450,6 +1440,7 @@
               <a:rPr lang="zh-CN" altLang="en-US" smtClean="0"/>
               <a:t>第四级</a:t>
             </a:r>
+            <a:endParaRPr lang="zh-CN" altLang="en-US" smtClean="0"/>
           </a:p>
           <a:p>
             <a:pPr lvl="4"/>
@@ -1465,7 +1456,7 @@
         <p:nvSpPr>
           <p:cNvPr id="5" name="文本占位符 4"/>
           <p:cNvSpPr>
-            <a:spLocks noGrp="1"/>
+            <a:spLocks noGrp="true"/>
           </p:cNvSpPr>
           <p:nvPr>
             <p:ph type="body" sz="quarter" idx="3"/>
@@ -1523,6 +1514,7 @@
               <a:rPr lang="zh-CN" altLang="en-US" smtClean="0"/>
               <a:t>单击此处编辑母版文本样式</a:t>
             </a:r>
+            <a:endParaRPr lang="zh-CN" altLang="en-US" smtClean="0"/>
           </a:p>
         </p:txBody>
       </p:sp>
@@ -1530,7 +1522,7 @@
         <p:nvSpPr>
           <p:cNvPr id="6" name="内容占位符 5"/>
           <p:cNvSpPr>
-            <a:spLocks noGrp="1"/>
+            <a:spLocks noGrp="true"/>
           </p:cNvSpPr>
           <p:nvPr>
             <p:ph sz="quarter" idx="4"/>
@@ -1551,6 +1543,7 @@
               <a:rPr lang="zh-CN" altLang="en-US" smtClean="0"/>
               <a:t>单击此处编辑母版文本样式</a:t>
             </a:r>
+            <a:endParaRPr lang="zh-CN" altLang="en-US" smtClean="0"/>
           </a:p>
           <a:p>
             <a:pPr lvl="1"/>
@@ -1558,6 +1551,7 @@
               <a:rPr lang="zh-CN" altLang="en-US" smtClean="0"/>
               <a:t>第二级</a:t>
             </a:r>
+            <a:endParaRPr lang="zh-CN" altLang="en-US" smtClean="0"/>
           </a:p>
           <a:p>
             <a:pPr lvl="2"/>
@@ -1565,6 +1559,7 @@
               <a:rPr lang="zh-CN" altLang="en-US" smtClean="0"/>
               <a:t>第三级</a:t>
             </a:r>
+            <a:endParaRPr lang="zh-CN" altLang="en-US" smtClean="0"/>
           </a:p>
           <a:p>
             <a:pPr lvl="3"/>
@@ -1572,6 +1567,7 @@
               <a:rPr lang="zh-CN" altLang="en-US" smtClean="0"/>
               <a:t>第四级</a:t>
             </a:r>
+            <a:endParaRPr lang="zh-CN" altLang="en-US" smtClean="0"/>
           </a:p>
           <a:p>
             <a:pPr lvl="4"/>
@@ -1587,7 +1583,7 @@
         <p:nvSpPr>
           <p:cNvPr id="7" name="日期占位符 6"/>
           <p:cNvSpPr>
-            <a:spLocks noGrp="1"/>
+            <a:spLocks noGrp="true"/>
           </p:cNvSpPr>
           <p:nvPr>
             <p:ph type="dt" sz="half" idx="10"/>
@@ -1600,7 +1596,6 @@
           <a:p>
             <a:fld id="{D997B5FA-0921-464F-AAE1-844C04324D75}" type="datetimeFigureOut">
               <a:rPr lang="zh-CN" altLang="en-US" smtClean="0"/>
-              <a:t>2015/5/5</a:t>
             </a:fld>
             <a:endParaRPr lang="zh-CN" altLang="en-US"/>
           </a:p>
@@ -1610,7 +1605,7 @@
         <p:nvSpPr>
           <p:cNvPr id="8" name="页脚占位符 7"/>
           <p:cNvSpPr>
-            <a:spLocks noGrp="1"/>
+            <a:spLocks noGrp="true"/>
           </p:cNvSpPr>
           <p:nvPr>
             <p:ph type="ftr" sz="quarter" idx="11"/>
@@ -1629,7 +1624,7 @@
         <p:nvSpPr>
           <p:cNvPr id="9" name="灯片编号占位符 8"/>
           <p:cNvSpPr>
-            <a:spLocks noGrp="1"/>
+            <a:spLocks noGrp="true"/>
           </p:cNvSpPr>
           <p:nvPr>
             <p:ph type="sldNum" sz="quarter" idx="12"/>
@@ -1642,18 +1637,12 @@
           <a:p>
             <a:fld id="{565CE74E-AB26-4998-AD42-012C4C1AD076}" type="slidenum">
               <a:rPr lang="zh-CN" altLang="en-US" smtClean="0"/>
-              <a:t>‹#›</a:t>
             </a:fld>
             <a:endParaRPr lang="zh-CN" altLang="en-US"/>
           </a:p>
         </p:txBody>
       </p:sp>
     </p:spTree>
-    <p:extLst>
-      <p:ext uri="{BB962C8B-B14F-4D97-AF65-F5344CB8AC3E}">
-        <p14:creationId xmlns:p14="http://schemas.microsoft.com/office/powerpoint/2010/main" val="168117047"/>
-      </p:ext>
-    </p:extLst>
   </p:cSld>
   <p:clrMapOvr>
     <a:masterClrMapping/>
@@ -1682,7 +1671,7 @@
         <p:nvSpPr>
           <p:cNvPr id="2" name="标题 1"/>
           <p:cNvSpPr>
-            <a:spLocks noGrp="1"/>
+            <a:spLocks noGrp="true"/>
           </p:cNvSpPr>
           <p:nvPr>
             <p:ph type="title"/>
@@ -1705,7 +1694,7 @@
         <p:nvSpPr>
           <p:cNvPr id="3" name="日期占位符 2"/>
           <p:cNvSpPr>
-            <a:spLocks noGrp="1"/>
+            <a:spLocks noGrp="true"/>
           </p:cNvSpPr>
           <p:nvPr>
             <p:ph type="dt" sz="half" idx="10"/>
@@ -1718,7 +1707,6 @@
           <a:p>
             <a:fld id="{D997B5FA-0921-464F-AAE1-844C04324D75}" type="datetimeFigureOut">
               <a:rPr lang="zh-CN" altLang="en-US" smtClean="0"/>
-              <a:t>2015/5/5</a:t>
             </a:fld>
             <a:endParaRPr lang="zh-CN" altLang="en-US"/>
           </a:p>
@@ -1728,7 +1716,7 @@
         <p:nvSpPr>
           <p:cNvPr id="4" name="页脚占位符 3"/>
           <p:cNvSpPr>
-            <a:spLocks noGrp="1"/>
+            <a:spLocks noGrp="true"/>
           </p:cNvSpPr>
           <p:nvPr>
             <p:ph type="ftr" sz="quarter" idx="11"/>
@@ -1747,7 +1735,7 @@
         <p:nvSpPr>
           <p:cNvPr id="5" name="灯片编号占位符 4"/>
           <p:cNvSpPr>
-            <a:spLocks noGrp="1"/>
+            <a:spLocks noGrp="true"/>
           </p:cNvSpPr>
           <p:nvPr>
             <p:ph type="sldNum" sz="quarter" idx="12"/>
@@ -1760,18 +1748,12 @@
           <a:p>
             <a:fld id="{565CE74E-AB26-4998-AD42-012C4C1AD076}" type="slidenum">
               <a:rPr lang="zh-CN" altLang="en-US" smtClean="0"/>
-              <a:t>‹#›</a:t>
             </a:fld>
             <a:endParaRPr lang="zh-CN" altLang="en-US"/>
           </a:p>
         </p:txBody>
       </p:sp>
     </p:spTree>
-    <p:extLst>
-      <p:ext uri="{BB962C8B-B14F-4D97-AF65-F5344CB8AC3E}">
-        <p14:creationId xmlns:p14="http://schemas.microsoft.com/office/powerpoint/2010/main" val="2764406021"/>
-      </p:ext>
-    </p:extLst>
   </p:cSld>
   <p:clrMapOvr>
     <a:masterClrMapping/>
@@ -1800,7 +1782,7 @@
         <p:nvSpPr>
           <p:cNvPr id="2" name="日期占位符 1"/>
           <p:cNvSpPr>
-            <a:spLocks noGrp="1"/>
+            <a:spLocks noGrp="true"/>
           </p:cNvSpPr>
           <p:nvPr>
             <p:ph type="dt" sz="half" idx="10"/>
@@ -1813,7 +1795,6 @@
           <a:p>
             <a:fld id="{D997B5FA-0921-464F-AAE1-844C04324D75}" type="datetimeFigureOut">
               <a:rPr lang="zh-CN" altLang="en-US" smtClean="0"/>
-              <a:t>2015/5/5</a:t>
             </a:fld>
             <a:endParaRPr lang="zh-CN" altLang="en-US"/>
           </a:p>
@@ -1823,7 +1804,7 @@
         <p:nvSpPr>
           <p:cNvPr id="3" name="页脚占位符 2"/>
           <p:cNvSpPr>
-            <a:spLocks noGrp="1"/>
+            <a:spLocks noGrp="true"/>
           </p:cNvSpPr>
           <p:nvPr>
             <p:ph type="ftr" sz="quarter" idx="11"/>
@@ -1842,7 +1823,7 @@
         <p:nvSpPr>
           <p:cNvPr id="4" name="灯片编号占位符 3"/>
           <p:cNvSpPr>
-            <a:spLocks noGrp="1"/>
+            <a:spLocks noGrp="true"/>
           </p:cNvSpPr>
           <p:nvPr>
             <p:ph type="sldNum" sz="quarter" idx="12"/>
@@ -1855,18 +1836,12 @@
           <a:p>
             <a:fld id="{565CE74E-AB26-4998-AD42-012C4C1AD076}" type="slidenum">
               <a:rPr lang="zh-CN" altLang="en-US" smtClean="0"/>
-              <a:t>‹#›</a:t>
             </a:fld>
             <a:endParaRPr lang="zh-CN" altLang="en-US"/>
           </a:p>
         </p:txBody>
       </p:sp>
     </p:spTree>
-    <p:extLst>
-      <p:ext uri="{BB962C8B-B14F-4D97-AF65-F5344CB8AC3E}">
-        <p14:creationId xmlns:p14="http://schemas.microsoft.com/office/powerpoint/2010/main" val="276523006"/>
-      </p:ext>
-    </p:extLst>
   </p:cSld>
   <p:clrMapOvr>
     <a:masterClrMapping/>
@@ -1895,7 +1870,7 @@
         <p:nvSpPr>
           <p:cNvPr id="2" name="标题 1"/>
           <p:cNvSpPr>
-            <a:spLocks noGrp="1"/>
+            <a:spLocks noGrp="true"/>
           </p:cNvSpPr>
           <p:nvPr>
             <p:ph type="title"/>
@@ -1927,7 +1902,7 @@
         <p:nvSpPr>
           <p:cNvPr id="3" name="内容占位符 2"/>
           <p:cNvSpPr>
-            <a:spLocks noGrp="1"/>
+            <a:spLocks noGrp="true"/>
           </p:cNvSpPr>
           <p:nvPr>
             <p:ph idx="1"/>
@@ -1976,6 +1951,7 @@
               <a:rPr lang="zh-CN" altLang="en-US" smtClean="0"/>
               <a:t>单击此处编辑母版文本样式</a:t>
             </a:r>
+            <a:endParaRPr lang="zh-CN" altLang="en-US" smtClean="0"/>
           </a:p>
           <a:p>
             <a:pPr lvl="1"/>
@@ -1983,6 +1959,7 @@
               <a:rPr lang="zh-CN" altLang="en-US" smtClean="0"/>
               <a:t>第二级</a:t>
             </a:r>
+            <a:endParaRPr lang="zh-CN" altLang="en-US" smtClean="0"/>
           </a:p>
           <a:p>
             <a:pPr lvl="2"/>
@@ -1990,6 +1967,7 @@
               <a:rPr lang="zh-CN" altLang="en-US" smtClean="0"/>
               <a:t>第三级</a:t>
             </a:r>
+            <a:endParaRPr lang="zh-CN" altLang="en-US" smtClean="0"/>
           </a:p>
           <a:p>
             <a:pPr lvl="3"/>
@@ -1997,6 +1975,7 @@
               <a:rPr lang="zh-CN" altLang="en-US" smtClean="0"/>
               <a:t>第四级</a:t>
             </a:r>
+            <a:endParaRPr lang="zh-CN" altLang="en-US" smtClean="0"/>
           </a:p>
           <a:p>
             <a:pPr lvl="4"/>
@@ -2012,7 +1991,7 @@
         <p:nvSpPr>
           <p:cNvPr id="4" name="文本占位符 3"/>
           <p:cNvSpPr>
-            <a:spLocks noGrp="1"/>
+            <a:spLocks noGrp="true"/>
           </p:cNvSpPr>
           <p:nvPr>
             <p:ph type="body" sz="half" idx="2"/>
@@ -2070,6 +2049,7 @@
               <a:rPr lang="zh-CN" altLang="en-US" smtClean="0"/>
               <a:t>单击此处编辑母版文本样式</a:t>
             </a:r>
+            <a:endParaRPr lang="zh-CN" altLang="en-US" smtClean="0"/>
           </a:p>
         </p:txBody>
       </p:sp>
@@ -2077,7 +2057,7 @@
         <p:nvSpPr>
           <p:cNvPr id="5" name="日期占位符 4"/>
           <p:cNvSpPr>
-            <a:spLocks noGrp="1"/>
+            <a:spLocks noGrp="true"/>
           </p:cNvSpPr>
           <p:nvPr>
             <p:ph type="dt" sz="half" idx="10"/>
@@ -2090,7 +2070,6 @@
           <a:p>
             <a:fld id="{D997B5FA-0921-464F-AAE1-844C04324D75}" type="datetimeFigureOut">
               <a:rPr lang="zh-CN" altLang="en-US" smtClean="0"/>
-              <a:t>2015/5/5</a:t>
             </a:fld>
             <a:endParaRPr lang="zh-CN" altLang="en-US"/>
           </a:p>
@@ -2100,7 +2079,7 @@
         <p:nvSpPr>
           <p:cNvPr id="6" name="页脚占位符 5"/>
           <p:cNvSpPr>
-            <a:spLocks noGrp="1"/>
+            <a:spLocks noGrp="true"/>
           </p:cNvSpPr>
           <p:nvPr>
             <p:ph type="ftr" sz="quarter" idx="11"/>
@@ -2119,7 +2098,7 @@
         <p:nvSpPr>
           <p:cNvPr id="7" name="灯片编号占位符 6"/>
           <p:cNvSpPr>
-            <a:spLocks noGrp="1"/>
+            <a:spLocks noGrp="true"/>
           </p:cNvSpPr>
           <p:nvPr>
             <p:ph type="sldNum" sz="quarter" idx="12"/>
@@ -2132,18 +2111,12 @@
           <a:p>
             <a:fld id="{565CE74E-AB26-4998-AD42-012C4C1AD076}" type="slidenum">
               <a:rPr lang="zh-CN" altLang="en-US" smtClean="0"/>
-              <a:t>‹#›</a:t>
             </a:fld>
             <a:endParaRPr lang="zh-CN" altLang="en-US"/>
           </a:p>
         </p:txBody>
       </p:sp>
     </p:spTree>
-    <p:extLst>
-      <p:ext uri="{BB962C8B-B14F-4D97-AF65-F5344CB8AC3E}">
-        <p14:creationId xmlns:p14="http://schemas.microsoft.com/office/powerpoint/2010/main" val="694758376"/>
-      </p:ext>
-    </p:extLst>
   </p:cSld>
   <p:clrMapOvr>
     <a:masterClrMapping/>
@@ -2172,7 +2145,7 @@
         <p:nvSpPr>
           <p:cNvPr id="2" name="标题 1"/>
           <p:cNvSpPr>
-            <a:spLocks noGrp="1"/>
+            <a:spLocks noGrp="true"/>
           </p:cNvSpPr>
           <p:nvPr>
             <p:ph type="title"/>
@@ -2204,7 +2177,7 @@
         <p:nvSpPr>
           <p:cNvPr id="3" name="图片占位符 2"/>
           <p:cNvSpPr>
-            <a:spLocks noGrp="1"/>
+            <a:spLocks noGrp="true"/>
           </p:cNvSpPr>
           <p:nvPr>
             <p:ph type="pic" idx="1"/>
@@ -2265,7 +2238,7 @@
         <p:nvSpPr>
           <p:cNvPr id="4" name="文本占位符 3"/>
           <p:cNvSpPr>
-            <a:spLocks noGrp="1"/>
+            <a:spLocks noGrp="true"/>
           </p:cNvSpPr>
           <p:nvPr>
             <p:ph type="body" sz="half" idx="2"/>
@@ -2323,6 +2296,7 @@
               <a:rPr lang="zh-CN" altLang="en-US" smtClean="0"/>
               <a:t>单击此处编辑母版文本样式</a:t>
             </a:r>
+            <a:endParaRPr lang="zh-CN" altLang="en-US" smtClean="0"/>
           </a:p>
         </p:txBody>
       </p:sp>
@@ -2330,7 +2304,7 @@
         <p:nvSpPr>
           <p:cNvPr id="5" name="日期占位符 4"/>
           <p:cNvSpPr>
-            <a:spLocks noGrp="1"/>
+            <a:spLocks noGrp="true"/>
           </p:cNvSpPr>
           <p:nvPr>
             <p:ph type="dt" sz="half" idx="10"/>
@@ -2343,7 +2317,6 @@
           <a:p>
             <a:fld id="{D997B5FA-0921-464F-AAE1-844C04324D75}" type="datetimeFigureOut">
               <a:rPr lang="zh-CN" altLang="en-US" smtClean="0"/>
-              <a:t>2015/5/5</a:t>
             </a:fld>
             <a:endParaRPr lang="zh-CN" altLang="en-US"/>
           </a:p>
@@ -2353,7 +2326,7 @@
         <p:nvSpPr>
           <p:cNvPr id="6" name="页脚占位符 5"/>
           <p:cNvSpPr>
-            <a:spLocks noGrp="1"/>
+            <a:spLocks noGrp="true"/>
           </p:cNvSpPr>
           <p:nvPr>
             <p:ph type="ftr" sz="quarter" idx="11"/>
@@ -2372,7 +2345,7 @@
         <p:nvSpPr>
           <p:cNvPr id="7" name="灯片编号占位符 6"/>
           <p:cNvSpPr>
-            <a:spLocks noGrp="1"/>
+            <a:spLocks noGrp="true"/>
           </p:cNvSpPr>
           <p:nvPr>
             <p:ph type="sldNum" sz="quarter" idx="12"/>
@@ -2385,18 +2358,12 @@
           <a:p>
             <a:fld id="{565CE74E-AB26-4998-AD42-012C4C1AD076}" type="slidenum">
               <a:rPr lang="zh-CN" altLang="en-US" smtClean="0"/>
-              <a:t>‹#›</a:t>
             </a:fld>
             <a:endParaRPr lang="zh-CN" altLang="en-US"/>
           </a:p>
         </p:txBody>
       </p:sp>
     </p:spTree>
-    <p:extLst>
-      <p:ext uri="{BB962C8B-B14F-4D97-AF65-F5344CB8AC3E}">
-        <p14:creationId xmlns:p14="http://schemas.microsoft.com/office/powerpoint/2010/main" val="477805659"/>
-      </p:ext>
-    </p:extLst>
   </p:cSld>
   <p:clrMapOvr>
     <a:masterClrMapping/>
@@ -2430,7 +2397,7 @@
         <p:nvSpPr>
           <p:cNvPr id="2" name="标题占位符 1"/>
           <p:cNvSpPr>
-            <a:spLocks noGrp="1"/>
+            <a:spLocks noGrp="true"/>
           </p:cNvSpPr>
           <p:nvPr>
             <p:ph type="title"/>
@@ -2463,7 +2430,7 @@
         <p:nvSpPr>
           <p:cNvPr id="3" name="文本占位符 2"/>
           <p:cNvSpPr>
-            <a:spLocks noGrp="1"/>
+            <a:spLocks noGrp="true"/>
           </p:cNvSpPr>
           <p:nvPr>
             <p:ph type="body" idx="1"/>
@@ -2489,6 +2456,7 @@
               <a:rPr lang="zh-CN" altLang="en-US" smtClean="0"/>
               <a:t>单击此处编辑母版文本样式</a:t>
             </a:r>
+            <a:endParaRPr lang="zh-CN" altLang="en-US" smtClean="0"/>
           </a:p>
           <a:p>
             <a:pPr lvl="1"/>
@@ -2496,6 +2464,7 @@
               <a:rPr lang="zh-CN" altLang="en-US" smtClean="0"/>
               <a:t>第二级</a:t>
             </a:r>
+            <a:endParaRPr lang="zh-CN" altLang="en-US" smtClean="0"/>
           </a:p>
           <a:p>
             <a:pPr lvl="2"/>
@@ -2503,6 +2472,7 @@
               <a:rPr lang="zh-CN" altLang="en-US" smtClean="0"/>
               <a:t>第三级</a:t>
             </a:r>
+            <a:endParaRPr lang="zh-CN" altLang="en-US" smtClean="0"/>
           </a:p>
           <a:p>
             <a:pPr lvl="3"/>
@@ -2510,6 +2480,7 @@
               <a:rPr lang="zh-CN" altLang="en-US" smtClean="0"/>
               <a:t>第四级</a:t>
             </a:r>
+            <a:endParaRPr lang="zh-CN" altLang="en-US" smtClean="0"/>
           </a:p>
           <a:p>
             <a:pPr lvl="4"/>
@@ -2525,7 +2496,7 @@
         <p:nvSpPr>
           <p:cNvPr id="4" name="日期占位符 3"/>
           <p:cNvSpPr>
-            <a:spLocks noGrp="1"/>
+            <a:spLocks noGrp="true"/>
           </p:cNvSpPr>
           <p:nvPr>
             <p:ph type="dt" sz="half" idx="2"/>
@@ -2556,7 +2527,6 @@
           <a:p>
             <a:fld id="{D997B5FA-0921-464F-AAE1-844C04324D75}" type="datetimeFigureOut">
               <a:rPr lang="zh-CN" altLang="en-US" smtClean="0"/>
-              <a:t>2015/5/5</a:t>
             </a:fld>
             <a:endParaRPr lang="zh-CN" altLang="en-US"/>
           </a:p>
@@ -2566,7 +2536,7 @@
         <p:nvSpPr>
           <p:cNvPr id="5" name="页脚占位符 4"/>
           <p:cNvSpPr>
-            <a:spLocks noGrp="1"/>
+            <a:spLocks noGrp="true"/>
           </p:cNvSpPr>
           <p:nvPr>
             <p:ph type="ftr" sz="quarter" idx="3"/>
@@ -2603,7 +2573,7 @@
         <p:nvSpPr>
           <p:cNvPr id="6" name="灯片编号占位符 5"/>
           <p:cNvSpPr>
-            <a:spLocks noGrp="1"/>
+            <a:spLocks noGrp="true"/>
           </p:cNvSpPr>
           <p:nvPr>
             <p:ph type="sldNum" sz="quarter" idx="4"/>
@@ -2634,18 +2604,12 @@
           <a:p>
             <a:fld id="{565CE74E-AB26-4998-AD42-012C4C1AD076}" type="slidenum">
               <a:rPr lang="zh-CN" altLang="en-US" smtClean="0"/>
-              <a:t>‹#›</a:t>
             </a:fld>
             <a:endParaRPr lang="zh-CN" altLang="en-US"/>
           </a:p>
         </p:txBody>
       </p:sp>
     </p:spTree>
-    <p:extLst>
-      <p:ext uri="{BB962C8B-B14F-4D97-AF65-F5344CB8AC3E}">
-        <p14:creationId xmlns:p14="http://schemas.microsoft.com/office/powerpoint/2010/main" val="2003094035"/>
-      </p:ext>
-    </p:extLst>
   </p:cSld>
   <p:clrMap bg1="lt1" tx1="dk1" bg2="lt2" tx2="dk2" accent1="accent1" accent2="accent2" accent3="accent3" accent4="accent4" accent5="accent5" accent6="accent6" hlink="hlink" folHlink="folHlink"/>
   <p:sldLayoutIdLst>
@@ -2689,7 +2653,7 @@
         <a:spcBef>
           <a:spcPts val="1000"/>
         </a:spcBef>
-        <a:buFont typeface="Arial" panose="020B0604020202020204" pitchFamily="34" charset="0"/>
+        <a:buFont typeface="Arial" panose="02080604020202020204" pitchFamily="34" charset="0"/>
         <a:buChar char="•"/>
         <a:defRPr sz="2800" kern="1200">
           <a:solidFill>
@@ -2707,7 +2671,7 @@
         <a:spcBef>
           <a:spcPts val="500"/>
         </a:spcBef>
-        <a:buFont typeface="Arial" panose="020B0604020202020204" pitchFamily="34" charset="0"/>
+        <a:buFont typeface="Arial" panose="02080604020202020204" pitchFamily="34" charset="0"/>
         <a:buChar char="•"/>
         <a:defRPr sz="2400" kern="1200">
           <a:solidFill>
@@ -2725,7 +2689,7 @@
         <a:spcBef>
           <a:spcPts val="500"/>
         </a:spcBef>
-        <a:buFont typeface="Arial" panose="020B0604020202020204" pitchFamily="34" charset="0"/>
+        <a:buFont typeface="Arial" panose="02080604020202020204" pitchFamily="34" charset="0"/>
         <a:buChar char="•"/>
         <a:defRPr sz="2000" kern="1200">
           <a:solidFill>
@@ -2743,7 +2707,7 @@
         <a:spcBef>
           <a:spcPts val="500"/>
         </a:spcBef>
-        <a:buFont typeface="Arial" panose="020B0604020202020204" pitchFamily="34" charset="0"/>
+        <a:buFont typeface="Arial" panose="02080604020202020204" pitchFamily="34" charset="0"/>
         <a:buChar char="•"/>
         <a:defRPr sz="1800" kern="1200">
           <a:solidFill>
@@ -2761,7 +2725,7 @@
         <a:spcBef>
           <a:spcPts val="500"/>
         </a:spcBef>
-        <a:buFont typeface="Arial" panose="020B0604020202020204" pitchFamily="34" charset="0"/>
+        <a:buFont typeface="Arial" panose="02080604020202020204" pitchFamily="34" charset="0"/>
         <a:buChar char="•"/>
         <a:defRPr sz="1800" kern="1200">
           <a:solidFill>
@@ -2779,7 +2743,7 @@
         <a:spcBef>
           <a:spcPts val="500"/>
         </a:spcBef>
-        <a:buFont typeface="Arial" panose="020B0604020202020204" pitchFamily="34" charset="0"/>
+        <a:buFont typeface="Arial" panose="02080604020202020204" pitchFamily="34" charset="0"/>
         <a:buChar char="•"/>
         <a:defRPr sz="1800" kern="1200">
           <a:solidFill>
@@ -2797,7 +2761,7 @@
         <a:spcBef>
           <a:spcPts val="500"/>
         </a:spcBef>
-        <a:buFont typeface="Arial" panose="020B0604020202020204" pitchFamily="34" charset="0"/>
+        <a:buFont typeface="Arial" panose="02080604020202020204" pitchFamily="34" charset="0"/>
         <a:buChar char="•"/>
         <a:defRPr sz="1800" kern="1200">
           <a:solidFill>
@@ -2815,7 +2779,7 @@
         <a:spcBef>
           <a:spcPts val="500"/>
         </a:spcBef>
-        <a:buFont typeface="Arial" panose="020B0604020202020204" pitchFamily="34" charset="0"/>
+        <a:buFont typeface="Arial" panose="02080604020202020204" pitchFamily="34" charset="0"/>
         <a:buChar char="•"/>
         <a:defRPr sz="1800" kern="1200">
           <a:solidFill>
@@ -2833,7 +2797,7 @@
         <a:spcBef>
           <a:spcPts val="500"/>
         </a:spcBef>
-        <a:buFont typeface="Arial" panose="020B0604020202020204" pitchFamily="34" charset="0"/>
+        <a:buFont typeface="Arial" panose="02080604020202020204" pitchFamily="34" charset="0"/>
         <a:buChar char="•"/>
         <a:defRPr sz="1800" kern="1200">
           <a:solidFill>
@@ -2944,6 +2908,286 @@
 </p:sldMaster>
 </file>
 
+<file path=ppt/slides/slide1.xml><?xml version="1.0" encoding="utf-8"?>
+<p:sld xmlns:a="http://schemas.openxmlformats.org/drawingml/2006/main" xmlns:r="http://schemas.openxmlformats.org/officeDocument/2006/relationships" xmlns:p="http://schemas.openxmlformats.org/presentationml/2006/main">
+  <p:cSld>
+    <p:spTree>
+      <p:nvGrpSpPr>
+        <p:cNvPr id="1" name=""/>
+        <p:cNvGrpSpPr/>
+        <p:nvPr/>
+      </p:nvGrpSpPr>
+      <p:grpSpPr/>
+      <p:sp>
+        <p:nvSpPr>
+          <p:cNvPr id="2" name="标题 1"/>
+          <p:cNvSpPr>
+            <a:spLocks noGrp="true"/>
+          </p:cNvSpPr>
+          <p:nvPr>
+            <p:ph type="ctrTitle"/>
+          </p:nvPr>
+        </p:nvSpPr>
+        <p:spPr/>
+        <p:txBody>
+          <a:bodyPr/>
+          <a:p>
+            <a:endParaRPr lang="zh-CN" altLang="en-US"/>
+          </a:p>
+        </p:txBody>
+      </p:sp>
+      <p:sp>
+        <p:nvSpPr>
+          <p:cNvPr id="3" name="副标题 2"/>
+          <p:cNvSpPr>
+            <a:spLocks noGrp="true"/>
+          </p:cNvSpPr>
+          <p:nvPr>
+            <p:ph type="subTitle" idx="1"/>
+          </p:nvPr>
+        </p:nvSpPr>
+        <p:spPr/>
+        <p:txBody>
+          <a:bodyPr/>
+          <a:p>
+            <a:endParaRPr lang="zh-CN" altLang="en-US"/>
+          </a:p>
+        </p:txBody>
+      </p:sp>
+      <p:pic>
+        <p:nvPicPr>
+          <p:cNvPr id="4" name="图片 3"/>
+          <p:cNvPicPr>
+            <a:picLocks noChangeAspect="true"/>
+          </p:cNvPicPr>
+          <p:nvPr/>
+        </p:nvPicPr>
+        <p:blipFill>
+          <a:blip r:embed="rId1"/>
+          <a:stretch>
+            <a:fillRect/>
+          </a:stretch>
+        </p:blipFill>
+        <p:spPr>
+          <a:xfrm>
+            <a:off x="-804545" y="42545"/>
+            <a:ext cx="13801725" cy="6772275"/>
+          </a:xfrm>
+          <a:prstGeom prst="rect">
+            <a:avLst/>
+          </a:prstGeom>
+        </p:spPr>
+      </p:pic>
+    </p:spTree>
+  </p:cSld>
+  <p:clrMapOvr>
+    <a:masterClrMapping/>
+  </p:clrMapOvr>
+</p:sld>
+</file>
+
+<file path=ppt/slides/slide2.xml><?xml version="1.0" encoding="utf-8"?>
+<p:sld xmlns:a="http://schemas.openxmlformats.org/drawingml/2006/main" xmlns:r="http://schemas.openxmlformats.org/officeDocument/2006/relationships" xmlns:p="http://schemas.openxmlformats.org/presentationml/2006/main">
+  <p:cSld>
+    <p:spTree>
+      <p:nvGrpSpPr>
+        <p:cNvPr id="1" name=""/>
+        <p:cNvGrpSpPr/>
+        <p:nvPr/>
+      </p:nvGrpSpPr>
+      <p:grpSpPr/>
+      <p:sp>
+        <p:nvSpPr>
+          <p:cNvPr id="2" name="标题 1"/>
+          <p:cNvSpPr>
+            <a:spLocks noGrp="true"/>
+          </p:cNvSpPr>
+          <p:nvPr>
+            <p:ph type="title"/>
+          </p:nvPr>
+        </p:nvSpPr>
+        <p:spPr/>
+        <p:txBody>
+          <a:bodyPr/>
+          <a:p>
+            <a:endParaRPr lang="zh-CN" altLang="en-US"/>
+          </a:p>
+        </p:txBody>
+      </p:sp>
+      <p:pic>
+        <p:nvPicPr>
+          <p:cNvPr id="4" name="内容占位符 3"/>
+          <p:cNvPicPr>
+            <a:picLocks noChangeAspect="true"/>
+          </p:cNvPicPr>
+          <p:nvPr>
+            <p:ph idx="1"/>
+          </p:nvPr>
+        </p:nvPicPr>
+        <p:blipFill>
+          <a:blip r:embed="rId1"/>
+          <a:stretch>
+            <a:fillRect/>
+          </a:stretch>
+        </p:blipFill>
+        <p:spPr>
+          <a:xfrm>
+            <a:off x="435610" y="314960"/>
+            <a:ext cx="11320780" cy="5688330"/>
+          </a:xfrm>
+          <a:prstGeom prst="rect">
+            <a:avLst/>
+          </a:prstGeom>
+        </p:spPr>
+      </p:pic>
+    </p:spTree>
+  </p:cSld>
+  <p:clrMapOvr>
+    <a:masterClrMapping/>
+  </p:clrMapOvr>
+</p:sld>
+</file>
+
+<file path=ppt/slides/slide3.xml><?xml version="1.0" encoding="utf-8"?>
+<p:sld xmlns:a="http://schemas.openxmlformats.org/drawingml/2006/main" xmlns:r="http://schemas.openxmlformats.org/officeDocument/2006/relationships" xmlns:p="http://schemas.openxmlformats.org/presentationml/2006/main">
+  <p:cSld>
+    <p:spTree>
+      <p:nvGrpSpPr>
+        <p:cNvPr id="1" name=""/>
+        <p:cNvGrpSpPr/>
+        <p:nvPr/>
+      </p:nvGrpSpPr>
+      <p:grpSpPr/>
+      <p:pic>
+        <p:nvPicPr>
+          <p:cNvPr id="7" name="图片 6"/>
+          <p:cNvPicPr>
+            <a:picLocks noChangeAspect="true"/>
+          </p:cNvPicPr>
+          <p:nvPr/>
+        </p:nvPicPr>
+        <p:blipFill>
+          <a:blip r:embed="rId1"/>
+          <a:stretch>
+            <a:fillRect/>
+          </a:stretch>
+        </p:blipFill>
+        <p:spPr>
+          <a:xfrm>
+            <a:off x="23495" y="1273810"/>
+            <a:ext cx="12145645" cy="3984625"/>
+          </a:xfrm>
+          <a:prstGeom prst="rect">
+            <a:avLst/>
+          </a:prstGeom>
+        </p:spPr>
+      </p:pic>
+    </p:spTree>
+  </p:cSld>
+  <p:clrMapOvr>
+    <a:masterClrMapping/>
+  </p:clrMapOvr>
+</p:sld>
+</file>
+
+<file path=ppt/slides/slide4.xml><?xml version="1.0" encoding="utf-8"?>
+<p:sld xmlns:a="http://schemas.openxmlformats.org/drawingml/2006/main" xmlns:r="http://schemas.openxmlformats.org/officeDocument/2006/relationships" xmlns:p="http://schemas.openxmlformats.org/presentationml/2006/main">
+  <p:cSld>
+    <p:spTree>
+      <p:nvGrpSpPr>
+        <p:cNvPr id="1" name=""/>
+        <p:cNvGrpSpPr/>
+        <p:nvPr/>
+      </p:nvGrpSpPr>
+      <p:grpSpPr/>
+      <p:pic>
+        <p:nvPicPr>
+          <p:cNvPr id="4" name="内容占位符 3"/>
+          <p:cNvPicPr>
+            <a:picLocks noChangeAspect="true"/>
+          </p:cNvPicPr>
+          <p:nvPr>
+            <p:ph idx="1"/>
+          </p:nvPr>
+        </p:nvPicPr>
+        <p:blipFill>
+          <a:blip r:embed="rId1"/>
+          <a:stretch>
+            <a:fillRect/>
+          </a:stretch>
+        </p:blipFill>
+        <p:spPr>
+          <a:xfrm>
+            <a:off x="848995" y="313690"/>
+            <a:ext cx="10493375" cy="5863590"/>
+          </a:xfrm>
+          <a:prstGeom prst="rect">
+            <a:avLst/>
+          </a:prstGeom>
+        </p:spPr>
+      </p:pic>
+    </p:spTree>
+  </p:cSld>
+  <p:clrMapOvr>
+    <a:masterClrMapping/>
+  </p:clrMapOvr>
+</p:sld>
+</file>
+
+<file path=ppt/slides/slide5.xml><?xml version="1.0" encoding="utf-8"?>
+<p:sld xmlns:a="http://schemas.openxmlformats.org/drawingml/2006/main" xmlns:r="http://schemas.openxmlformats.org/officeDocument/2006/relationships" xmlns:p="http://schemas.openxmlformats.org/presentationml/2006/main">
+  <p:cSld>
+    <p:spTree>
+      <p:nvGrpSpPr>
+        <p:cNvPr id="1" name=""/>
+        <p:cNvGrpSpPr/>
+        <p:nvPr/>
+      </p:nvGrpSpPr>
+      <p:grpSpPr/>
+      <p:sp>
+        <p:nvSpPr>
+          <p:cNvPr id="2" name="标题 1"/>
+          <p:cNvSpPr>
+            <a:spLocks noGrp="true"/>
+          </p:cNvSpPr>
+          <p:nvPr>
+            <p:ph type="title"/>
+          </p:nvPr>
+        </p:nvSpPr>
+        <p:spPr/>
+        <p:txBody>
+          <a:bodyPr/>
+          <a:p>
+            <a:endParaRPr lang="zh-CN" altLang="en-US"/>
+          </a:p>
+        </p:txBody>
+      </p:sp>
+      <p:sp>
+        <p:nvSpPr>
+          <p:cNvPr id="3" name="内容占位符 2"/>
+          <p:cNvSpPr>
+            <a:spLocks noGrp="true"/>
+          </p:cNvSpPr>
+          <p:nvPr>
+            <p:ph idx="1"/>
+          </p:nvPr>
+        </p:nvSpPr>
+        <p:spPr/>
+        <p:txBody>
+          <a:bodyPr/>
+          <a:p>
+            <a:endParaRPr lang="zh-CN" altLang="en-US"/>
+          </a:p>
+        </p:txBody>
+      </p:sp>
+    </p:spTree>
+  </p:cSld>
+  <p:clrMapOvr>
+    <a:masterClrMapping/>
+  </p:clrMapOvr>
+</p:sld>
+</file>
+
 <file path=ppt/theme/theme1.xml><?xml version="1.0" encoding="utf-8"?>
 <a:theme xmlns:a="http://schemas.openxmlformats.org/drawingml/2006/main" name="Office 主题">
   <a:themeElements>
@@ -2987,7 +3231,7 @@
     </a:clrScheme>
     <a:fontScheme name="Office">
       <a:majorFont>
-        <a:latin typeface="Calibri Light" panose="020F0302020204030204"/>
+        <a:latin typeface="Calibri Light"/>
         <a:ea typeface=""/>
         <a:cs typeface=""/>
         <a:font script="Jpan" typeface="ＭＳ Ｐゴシック"/>
@@ -3022,7 +3266,7 @@
         <a:font script="Geor" typeface="Sylfaen"/>
       </a:majorFont>
       <a:minorFont>
-        <a:latin typeface="Calibri" panose="020F0502020204030204"/>
+        <a:latin typeface="Calibri"/>
         <a:ea typeface=""/>
         <a:cs typeface=""/>
         <a:font script="Jpan" typeface="ＭＳ Ｐゴシック"/>
@@ -3062,7 +3306,7 @@
         <a:solidFill>
           <a:schemeClr val="phClr"/>
         </a:solidFill>
-        <a:gradFill rotWithShape="1">
+        <a:gradFill rotWithShape="true">
           <a:gsLst>
             <a:gs pos="0">
               <a:schemeClr val="phClr">
@@ -3086,9 +3330,9 @@
               </a:schemeClr>
             </a:gs>
           </a:gsLst>
-          <a:lin ang="5400000" scaled="0"/>
+          <a:lin ang="5400000" scaled="false"/>
         </a:gradFill>
-        <a:gradFill rotWithShape="1">
+        <a:gradFill rotWithShape="true">
           <a:gsLst>
             <a:gs pos="0">
               <a:schemeClr val="phClr">
@@ -3112,7 +3356,7 @@
               </a:schemeClr>
             </a:gs>
           </a:gsLst>
-          <a:lin ang="5400000" scaled="0"/>
+          <a:lin ang="5400000" scaled="false"/>
         </a:gradFill>
       </a:fillStyleLst>
       <a:lnStyleLst>
@@ -3165,7 +3409,7 @@
             <a:satMod val="170000"/>
           </a:schemeClr>
         </a:solidFill>
-        <a:gradFill rotWithShape="1">
+        <a:gradFill rotWithShape="true">
           <a:gsLst>
             <a:gs pos="0">
               <a:schemeClr val="phClr">
@@ -3190,13 +3434,11 @@
               </a:schemeClr>
             </a:gs>
           </a:gsLst>
-          <a:lin ang="5400000" scaled="0"/>
+          <a:lin ang="5400000" scaled="false"/>
         </a:gradFill>
       </a:bgFillStyleLst>
     </a:fmtScheme>
   </a:themeElements>
-  <a:objectDefaults/>
-  <a:extraClrSchemeLst/>
   <a:extLst>
     <a:ext uri="{05A4C25C-085E-4340-85A3-A5531E510DB2}">
       <thm15:themeFamily xmlns:thm15="http://schemas.microsoft.com/office/thememl/2012/main" name="Office Theme" id="{62F939B6-93AF-4DB8-9C6B-D6C7DFDC589F}" vid="{4A3C46E8-61CC-4603-A589-7422A47A8E4A}"/>

--- a/STL源码学习/学习笔记.pptx
+++ b/STL源码学习/学习笔记.pptx
@@ -9,7 +9,14 @@
     <p:sldId id="257" r:id="rId4"/>
     <p:sldId id="258" r:id="rId5"/>
     <p:sldId id="259" r:id="rId6"/>
-    <p:sldId id="260" r:id="rId7"/>
+    <p:sldId id="261" r:id="rId7"/>
+    <p:sldId id="260" r:id="rId8"/>
+    <p:sldId id="265" r:id="rId9"/>
+    <p:sldId id="262" r:id="rId10"/>
+    <p:sldId id="266" r:id="rId11"/>
+    <p:sldId id="267" r:id="rId12"/>
+    <p:sldId id="263" r:id="rId13"/>
+    <p:sldId id="264" r:id="rId14"/>
   </p:sldIdLst>
   <p:sldSz cx="12192000" cy="6858000"/>
   <p:notesSz cx="6858000" cy="9144000"/>
@@ -108,6 +115,32 @@
       </a:defRPr>
     </a:lvl9pPr>
   </p:defaultTextStyle>
+  <p:extLst>
+    <p:ext uri="{521415D9-36F7-43E2-AB2F-B90AF26B5E84}">
+      <p14:sectionLst xmlns:p14="http://schemas.microsoft.com/office/powerpoint/2010/main">
+        <p14:section name="默认节" id="{88a6e49f-c396-4a9d-a950-057e4c1bf4c9}">
+          <p14:sldIdLst>
+            <p14:sldId id="256"/>
+            <p14:sldId id="257"/>
+            <p14:sldId id="258"/>
+            <p14:sldId id="259"/>
+          </p14:sldIdLst>
+        </p14:section>
+        <p14:section name="vector" id="{d7c13f7d-06f5-4160-9861-43a25a76c5b4}">
+          <p14:sldIdLst>
+            <p14:sldId id="261"/>
+            <p14:sldId id="260"/>
+            <p14:sldId id="262"/>
+            <p14:sldId id="267"/>
+            <p14:sldId id="264"/>
+            <p14:sldId id="265"/>
+            <p14:sldId id="263"/>
+            <p14:sldId id="266"/>
+          </p14:sldIdLst>
+        </p14:section>
+      </p14:sectionLst>
+    </p:ext>
+  </p:extLst>
 </p:presentation>
 </file>
 
@@ -2986,6 +3019,156 @@
 </p:sld>
 </file>
 
+<file path=ppt/slides/slide10.xml><?xml version="1.0" encoding="utf-8"?>
+<p:sld xmlns:a="http://schemas.openxmlformats.org/drawingml/2006/main" xmlns:r="http://schemas.openxmlformats.org/officeDocument/2006/relationships" xmlns:p="http://schemas.openxmlformats.org/presentationml/2006/main">
+  <p:cSld>
+    <p:spTree>
+      <p:nvGrpSpPr>
+        <p:cNvPr id="1" name=""/>
+        <p:cNvGrpSpPr/>
+        <p:nvPr/>
+      </p:nvGrpSpPr>
+      <p:grpSpPr/>
+      <p:sp>
+        <p:nvSpPr>
+          <p:cNvPr id="2" name="标题 1"/>
+          <p:cNvSpPr>
+            <a:spLocks noGrp="true"/>
+          </p:cNvSpPr>
+          <p:nvPr>
+            <p:ph type="title"/>
+          </p:nvPr>
+        </p:nvSpPr>
+        <p:spPr/>
+        <p:txBody>
+          <a:bodyPr/>
+          <a:p>
+            <a:endParaRPr lang="zh-CN" altLang="en-US"/>
+          </a:p>
+        </p:txBody>
+      </p:sp>
+      <p:sp>
+        <p:nvSpPr>
+          <p:cNvPr id="3" name="内容占位符 2"/>
+          <p:cNvSpPr>
+            <a:spLocks noGrp="true"/>
+          </p:cNvSpPr>
+          <p:nvPr>
+            <p:ph idx="1"/>
+          </p:nvPr>
+        </p:nvSpPr>
+        <p:spPr/>
+        <p:txBody>
+          <a:bodyPr/>
+          <a:p>
+            <a:endParaRPr lang="zh-CN" altLang="en-US"/>
+          </a:p>
+        </p:txBody>
+      </p:sp>
+    </p:spTree>
+  </p:cSld>
+  <p:clrMapOvr>
+    <a:masterClrMapping/>
+  </p:clrMapOvr>
+</p:sld>
+</file>
+
+<file path=ppt/slides/slide11.xml><?xml version="1.0" encoding="utf-8"?>
+<p:sld xmlns:a="http://schemas.openxmlformats.org/drawingml/2006/main" xmlns:r="http://schemas.openxmlformats.org/officeDocument/2006/relationships" xmlns:p="http://schemas.openxmlformats.org/presentationml/2006/main">
+  <p:cSld>
+    <p:spTree>
+      <p:nvGrpSpPr>
+        <p:cNvPr id="1" name=""/>
+        <p:cNvGrpSpPr/>
+        <p:nvPr/>
+      </p:nvGrpSpPr>
+      <p:grpSpPr/>
+      <p:sp>
+        <p:nvSpPr>
+          <p:cNvPr id="2" name="标题 1"/>
+          <p:cNvSpPr>
+            <a:spLocks noGrp="true"/>
+          </p:cNvSpPr>
+          <p:nvPr>
+            <p:ph type="title"/>
+          </p:nvPr>
+        </p:nvSpPr>
+        <p:spPr>
+          <a:xfrm>
+            <a:off x="760730" y="33020"/>
+            <a:ext cx="10557510" cy="4982845"/>
+          </a:xfrm>
+        </p:spPr>
+        <p:txBody>
+          <a:bodyPr>
+            <a:normAutofit/>
+          </a:bodyPr>
+          <a:p>
+            <a:r>
+              <a:rPr lang="en-US" altLang="zh-CN" sz="13800"/>
+              <a:t>    </a:t>
+            </a:r>
+            <a:r>
+              <a:rPr lang="en-US" altLang="zh-CN" sz="8800"/>
+              <a:t>uninitialized_fill_n</a:t>
+            </a:r>
+            <a:endParaRPr lang="en-US" altLang="zh-CN" sz="8800"/>
+          </a:p>
+        </p:txBody>
+      </p:sp>
+    </p:spTree>
+  </p:cSld>
+  <p:clrMapOvr>
+    <a:masterClrMapping/>
+  </p:clrMapOvr>
+</p:sld>
+</file>
+
+<file path=ppt/slides/slide12.xml><?xml version="1.0" encoding="utf-8"?>
+<p:sld xmlns:a="http://schemas.openxmlformats.org/drawingml/2006/main" xmlns:r="http://schemas.openxmlformats.org/officeDocument/2006/relationships" xmlns:p="http://schemas.openxmlformats.org/presentationml/2006/main">
+  <p:cSld>
+    <p:spTree>
+      <p:nvGrpSpPr>
+        <p:cNvPr id="1" name=""/>
+        <p:cNvGrpSpPr/>
+        <p:nvPr/>
+      </p:nvGrpSpPr>
+      <p:grpSpPr/>
+      <p:sp>
+        <p:nvSpPr>
+          <p:cNvPr id="2" name="标题 1"/>
+          <p:cNvSpPr>
+            <a:spLocks noGrp="true"/>
+          </p:cNvSpPr>
+          <p:nvPr>
+            <p:ph type="title"/>
+          </p:nvPr>
+        </p:nvSpPr>
+        <p:spPr>
+          <a:xfrm>
+            <a:off x="796290" y="356870"/>
+            <a:ext cx="10557510" cy="5687695"/>
+          </a:xfrm>
+        </p:spPr>
+        <p:txBody>
+          <a:bodyPr/>
+          <a:p>
+            <a:r>
+              <a:rPr lang="en-US" altLang="zh-CN" sz="13800"/>
+              <a:t>    vector</a:t>
+            </a:r>
+            <a:endParaRPr lang="en-US" altLang="zh-CN" sz="13800"/>
+          </a:p>
+        </p:txBody>
+      </p:sp>
+    </p:spTree>
+  </p:cSld>
+  <p:clrMapOvr>
+    <a:masterClrMapping/>
+  </p:clrMapOvr>
+</p:sld>
+</file>
+
 <file path=ppt/slides/slide2.xml><?xml version="1.0" encoding="utf-8"?>
 <p:sld xmlns:a="http://schemas.openxmlformats.org/drawingml/2006/main" xmlns:r="http://schemas.openxmlformats.org/officeDocument/2006/relationships" xmlns:p="http://schemas.openxmlformats.org/presentationml/2006/main">
   <p:cSld>
@@ -3154,10 +3337,129 @@
             <p:ph type="title"/>
           </p:nvPr>
         </p:nvSpPr>
-        <p:spPr/>
-        <p:txBody>
-          <a:bodyPr/>
-          <a:p>
+        <p:spPr>
+          <a:xfrm>
+            <a:off x="796290" y="356870"/>
+            <a:ext cx="10557510" cy="5687695"/>
+          </a:xfrm>
+        </p:spPr>
+        <p:txBody>
+          <a:bodyPr/>
+          <a:p>
+            <a:r>
+              <a:rPr lang="" altLang="zh-CN" sz="13800"/>
+              <a:t>    vector</a:t>
+            </a:r>
+            <a:endParaRPr lang="" altLang="zh-CN" sz="13800"/>
+          </a:p>
+        </p:txBody>
+      </p:sp>
+    </p:spTree>
+  </p:cSld>
+  <p:clrMapOvr>
+    <a:masterClrMapping/>
+  </p:clrMapOvr>
+</p:sld>
+</file>
+
+<file path=ppt/slides/slide6.xml><?xml version="1.0" encoding="utf-8"?>
+<p:sld xmlns:a="http://schemas.openxmlformats.org/drawingml/2006/main" xmlns:r="http://schemas.openxmlformats.org/officeDocument/2006/relationships" xmlns:p="http://schemas.openxmlformats.org/presentationml/2006/main">
+  <p:cSld>
+    <p:spTree>
+      <p:nvGrpSpPr>
+        <p:cNvPr id="1" name=""/>
+        <p:cNvGrpSpPr/>
+        <p:nvPr/>
+      </p:nvGrpSpPr>
+      <p:grpSpPr/>
+      <p:sp>
+        <p:nvSpPr>
+          <p:cNvPr id="2" name="标题 1"/>
+          <p:cNvSpPr>
+            <a:spLocks noGrp="true"/>
+          </p:cNvSpPr>
+          <p:nvPr>
+            <p:ph type="title"/>
+          </p:nvPr>
+        </p:nvSpPr>
+        <p:spPr/>
+        <p:txBody>
+          <a:bodyPr/>
+          <a:p>
+            <a:r>
+              <a:rPr lang="" altLang="zh-CN"/>
+              <a:t>static_cast&lt;new_type&gt;(expression)</a:t>
+            </a:r>
+            <a:endParaRPr lang="" altLang="zh-CN"/>
+          </a:p>
+        </p:txBody>
+      </p:sp>
+      <p:pic>
+        <p:nvPicPr>
+          <p:cNvPr id="6" name="内容占位符 5"/>
+          <p:cNvPicPr>
+            <a:picLocks noChangeAspect="true"/>
+          </p:cNvPicPr>
+          <p:nvPr>
+            <p:ph idx="1"/>
+          </p:nvPr>
+        </p:nvPicPr>
+        <p:blipFill>
+          <a:blip r:embed="rId1"/>
+          <a:stretch>
+            <a:fillRect/>
+          </a:stretch>
+        </p:blipFill>
+        <p:spPr>
+          <a:xfrm>
+            <a:off x="838200" y="1601470"/>
+            <a:ext cx="10515600" cy="4127500"/>
+          </a:xfrm>
+          <a:prstGeom prst="rect">
+            <a:avLst/>
+          </a:prstGeom>
+        </p:spPr>
+      </p:pic>
+    </p:spTree>
+  </p:cSld>
+  <p:clrMapOvr>
+    <a:masterClrMapping/>
+  </p:clrMapOvr>
+</p:sld>
+</file>
+
+<file path=ppt/slides/slide7.xml><?xml version="1.0" encoding="utf-8"?>
+<p:sld xmlns:a="http://schemas.openxmlformats.org/drawingml/2006/main" xmlns:r="http://schemas.openxmlformats.org/officeDocument/2006/relationships" xmlns:p="http://schemas.openxmlformats.org/presentationml/2006/main">
+  <p:cSld>
+    <p:spTree>
+      <p:nvGrpSpPr>
+        <p:cNvPr id="1" name=""/>
+        <p:cNvGrpSpPr/>
+        <p:nvPr/>
+      </p:nvGrpSpPr>
+      <p:grpSpPr/>
+      <p:sp>
+        <p:nvSpPr>
+          <p:cNvPr id="2" name="标题 1"/>
+          <p:cNvSpPr>
+            <a:spLocks noGrp="true"/>
+          </p:cNvSpPr>
+          <p:nvPr>
+            <p:ph type="title"/>
+          </p:nvPr>
+        </p:nvSpPr>
+        <p:spPr/>
+        <p:txBody>
+          <a:bodyPr>
+            <a:normAutofit/>
+          </a:bodyPr>
+          <a:p>
+            <a:r>
+              <a:rPr lang="en-US" altLang="zh-CN">
+                <a:sym typeface="+mn-ea"/>
+              </a:rPr>
+              <a:t>uninitialized_fill_n</a:t>
+            </a:r>
             <a:endParaRPr lang="zh-CN" altLang="en-US"/>
           </a:p>
         </p:txBody>
@@ -3174,12 +3476,219 @@
         </p:nvSpPr>
         <p:spPr/>
         <p:txBody>
-          <a:bodyPr/>
-          <a:p>
-            <a:endParaRPr lang="zh-CN" altLang="en-US"/>
-          </a:p>
-        </p:txBody>
-      </p:sp>
+          <a:bodyPr>
+            <a:normAutofit fontScale="90000" lnSpcReduction="10000"/>
+          </a:bodyPr>
+          <a:p>
+            <a:pPr marL="0" indent="0">
+              <a:buNone/>
+            </a:pPr>
+            <a:r>
+              <a:rPr lang="zh-CN" altLang="en-US">
+                <a:sym typeface="+mn-ea"/>
+              </a:rPr>
+              <a:t>template &lt;class ForwardIterator, class Size, class T&gt;</a:t>
+            </a:r>
+            <a:endParaRPr lang="zh-CN" altLang="en-US"/>
+          </a:p>
+          <a:p>
+            <a:pPr marL="0" indent="0">
+              <a:buNone/>
+            </a:pPr>
+            <a:r>
+              <a:rPr lang="zh-CN" altLang="en-US">
+                <a:sym typeface="+mn-ea"/>
+              </a:rPr>
+              <a:t>  void uninitialized_fill_n (ForwardIterator first, Size n, const T&amp; x);</a:t>
+            </a:r>
+            <a:endParaRPr lang="zh-CN" altLang="en-US"/>
+          </a:p>
+          <a:p>
+            <a:pPr marL="0" indent="0">
+              <a:buNone/>
+            </a:pPr>
+            <a:endParaRPr lang="zh-CN" altLang="en-US">
+              <a:sym typeface="+mn-ea"/>
+            </a:endParaRPr>
+          </a:p>
+          <a:p>
+            <a:pPr marL="0" indent="0">
+              <a:buNone/>
+            </a:pPr>
+            <a:r>
+              <a:rPr lang="zh-CN" altLang="en-US">
+                <a:sym typeface="+mn-ea"/>
+              </a:rPr>
+              <a:t>1) 复制给定值 value 到始于 first 的未初始化内存区域的首 count 个元素</a:t>
+            </a:r>
+            <a:endParaRPr lang="zh-CN" altLang="en-US"/>
+          </a:p>
+          <a:p>
+            <a:pPr marL="0" indent="0">
+              <a:buNone/>
+            </a:pPr>
+            <a:r>
+              <a:rPr lang="zh-CN" altLang="en-US"/>
+              <a:t>for (; n--; ++first)</a:t>
+            </a:r>
+            <a:endParaRPr lang="zh-CN" altLang="en-US"/>
+          </a:p>
+          <a:p>
+            <a:pPr marL="0" indent="0">
+              <a:buNone/>
+            </a:pPr>
+            <a:r>
+              <a:rPr lang="zh-CN" altLang="en-US"/>
+              <a:t>  ::new (static_cast&lt;void*&gt;(std::addressof(*first)))</a:t>
+            </a:r>
+            <a:endParaRPr lang="zh-CN" altLang="en-US"/>
+          </a:p>
+          <a:p>
+            <a:pPr marL="0" indent="0">
+              <a:buNone/>
+            </a:pPr>
+            <a:r>
+              <a:rPr lang="zh-CN" altLang="en-US"/>
+              <a:t>     typename std::iterator_traits&lt;ForwardIt&gt;::value_type(x);</a:t>
+            </a:r>
+            <a:endParaRPr lang="zh-CN" altLang="en-US"/>
+          </a:p>
+          <a:p>
+            <a:pPr marL="0" indent="0">
+              <a:buNone/>
+            </a:pPr>
+            <a:r>
+              <a:rPr lang="zh-CN" altLang="en-US"/>
+              <a:t>若初始化期间抛异常，则以未指定顺序销毁已构造的对象。</a:t>
+            </a:r>
+            <a:r>
+              <a:rPr lang="" altLang="zh-CN"/>
+              <a:t>v</a:t>
+            </a:r>
+            <a:endParaRPr lang="" altLang="zh-CN"/>
+          </a:p>
+        </p:txBody>
+      </p:sp>
+    </p:spTree>
+  </p:cSld>
+  <p:clrMapOvr>
+    <a:masterClrMapping/>
+  </p:clrMapOvr>
+</p:sld>
+</file>
+
+<file path=ppt/slides/slide8.xml><?xml version="1.0" encoding="utf-8"?>
+<p:sld xmlns:a="http://schemas.openxmlformats.org/drawingml/2006/main" xmlns:r="http://schemas.openxmlformats.org/officeDocument/2006/relationships" xmlns:p="http://schemas.openxmlformats.org/presentationml/2006/main">
+  <p:cSld>
+    <p:spTree>
+      <p:nvGrpSpPr>
+        <p:cNvPr id="1" name=""/>
+        <p:cNvGrpSpPr/>
+        <p:nvPr/>
+      </p:nvGrpSpPr>
+      <p:grpSpPr/>
+      <p:sp>
+        <p:nvSpPr>
+          <p:cNvPr id="3" name="内容占位符 2"/>
+          <p:cNvSpPr>
+            <a:spLocks noGrp="true"/>
+          </p:cNvSpPr>
+          <p:nvPr>
+            <p:ph idx="1"/>
+          </p:nvPr>
+        </p:nvSpPr>
+        <p:spPr>
+          <a:xfrm>
+            <a:off x="838200" y="445135"/>
+            <a:ext cx="10515600" cy="5732145"/>
+          </a:xfrm>
+        </p:spPr>
+        <p:txBody>
+          <a:bodyPr/>
+          <a:p>
+            <a:pPr marL="0" indent="0">
+              <a:buNone/>
+            </a:pPr>
+            <a:endParaRPr lang="zh-CN" altLang="en-US"/>
+          </a:p>
+          <a:p>
+            <a:pPr marL="0" indent="0">
+              <a:buNone/>
+            </a:pPr>
+            <a:r>
+              <a:rPr lang="zh-CN" altLang="en-US"/>
+              <a:t>2) 同 (1) ，但按照 policy 执行。此重载仅若 std::is_execution_policy_v&lt;std::decay_t&lt;ExecutionPolicy&gt;&gt; (C++20 前)std::is_execution_policy_v&lt;std::remove_cvref_t&lt;ExecutionPolicy&gt;&gt; (C++20 起) 为 true 才参与重载决议。</a:t>
+            </a:r>
+            <a:endParaRPr lang="zh-CN" altLang="en-US"/>
+          </a:p>
+        </p:txBody>
+      </p:sp>
+    </p:spTree>
+  </p:cSld>
+  <p:clrMapOvr>
+    <a:masterClrMapping/>
+  </p:clrMapOvr>
+</p:sld>
+</file>
+
+<file path=ppt/slides/slide9.xml><?xml version="1.0" encoding="utf-8"?>
+<p:sld xmlns:a="http://schemas.openxmlformats.org/drawingml/2006/main" xmlns:r="http://schemas.openxmlformats.org/officeDocument/2006/relationships" xmlns:p="http://schemas.openxmlformats.org/presentationml/2006/main">
+  <p:cSld>
+    <p:spTree>
+      <p:nvGrpSpPr>
+        <p:cNvPr id="1" name=""/>
+        <p:cNvGrpSpPr/>
+        <p:nvPr/>
+      </p:nvGrpSpPr>
+      <p:grpSpPr/>
+      <p:sp>
+        <p:nvSpPr>
+          <p:cNvPr id="2" name="标题 1"/>
+          <p:cNvSpPr>
+            <a:spLocks noGrp="true"/>
+          </p:cNvSpPr>
+          <p:nvPr>
+            <p:ph type="title"/>
+          </p:nvPr>
+        </p:nvSpPr>
+        <p:spPr/>
+        <p:txBody>
+          <a:bodyPr/>
+          <a:p>
+            <a:r>
+              <a:rPr lang="" altLang="zh-CN"/>
+              <a:t>range</a:t>
+            </a:r>
+            <a:endParaRPr lang="" altLang="zh-CN"/>
+          </a:p>
+        </p:txBody>
+      </p:sp>
+      <p:pic>
+        <p:nvPicPr>
+          <p:cNvPr id="4" name="内容占位符 3"/>
+          <p:cNvPicPr>
+            <a:picLocks noChangeAspect="true"/>
+          </p:cNvPicPr>
+          <p:nvPr>
+            <p:ph idx="1"/>
+          </p:nvPr>
+        </p:nvPicPr>
+        <p:blipFill>
+          <a:blip r:embed="rId1"/>
+          <a:stretch>
+            <a:fillRect/>
+          </a:stretch>
+        </p:blipFill>
+        <p:spPr>
+          <a:xfrm>
+            <a:off x="838200" y="1745615"/>
+            <a:ext cx="10515600" cy="3769360"/>
+          </a:xfrm>
+          <a:prstGeom prst="rect">
+            <a:avLst/>
+          </a:prstGeom>
+        </p:spPr>
+      </p:pic>
     </p:spTree>
   </p:cSld>
   <p:clrMapOvr>
